--- a/문서/기획/중간발표자료.pptx
+++ b/문서/기획/중간발표자료.pptx
@@ -5,7 +5,7 @@
     <p:sldMasterId id="2147483648" r:id="rId1"/>
   </p:sldMasterIdLst>
   <p:notesMasterIdLst>
-    <p:notesMasterId r:id="rId15"/>
+    <p:notesMasterId r:id="rId16"/>
   </p:notesMasterIdLst>
   <p:sldIdLst>
     <p:sldId id="256" r:id="rId2"/>
@@ -18,9 +18,10 @@
     <p:sldId id="264" r:id="rId9"/>
     <p:sldId id="272" r:id="rId10"/>
     <p:sldId id="278" r:id="rId11"/>
-    <p:sldId id="279" r:id="rId12"/>
-    <p:sldId id="280" r:id="rId13"/>
-    <p:sldId id="259" r:id="rId14"/>
+    <p:sldId id="281" r:id="rId12"/>
+    <p:sldId id="279" r:id="rId13"/>
+    <p:sldId id="280" r:id="rId14"/>
+    <p:sldId id="259" r:id="rId15"/>
   </p:sldIdLst>
   <p:sldSz cx="12192000" cy="6858000"/>
   <p:notesSz cx="6858000" cy="9144000"/>
@@ -3729,7 +3730,7 @@
         <p:spPr>
           <a:xfrm>
             <a:off x="539191" y="281738"/>
-            <a:ext cx="4023858" cy="1053558"/>
+            <a:ext cx="6875600" cy="1053558"/>
           </a:xfrm>
           <a:prstGeom prst="rect">
             <a:avLst/>
@@ -3752,7 +3753,15 @@
             </a:r>
             <a:r>
               <a:rPr lang="ko-KR" altLang="en-US" sz="5400" b="1" dirty="0"/>
-              <a:t>개발 내용</a:t>
+              <a:t>개발 내용 </a:t>
+            </a:r>
+            <a:r>
+              <a:rPr lang="en-US" altLang="ko-KR" sz="5400" b="1" dirty="0"/>
+              <a:t>- </a:t>
+            </a:r>
+            <a:r>
+              <a:rPr lang="ko-KR" altLang="en-US" sz="5400" b="1" dirty="0"/>
+              <a:t>최태호</a:t>
             </a:r>
             <a:endParaRPr lang="en-US" altLang="ko-KR" sz="5400" b="1" dirty="0"/>
           </a:p>
@@ -4153,7 +4162,7 @@
         <p:spPr>
           <a:xfrm>
             <a:off x="539191" y="281738"/>
-            <a:ext cx="6345007" cy="1053558"/>
+            <a:ext cx="6875600" cy="1053558"/>
           </a:xfrm>
           <a:prstGeom prst="rect">
             <a:avLst/>
@@ -4172,11 +4181,19 @@
             </a:pPr>
             <a:r>
               <a:rPr lang="en-US" altLang="ko-KR" sz="5400" b="1" dirty="0"/>
-              <a:t>7. </a:t>
+              <a:t>6. </a:t>
             </a:r>
             <a:r>
               <a:rPr lang="ko-KR" altLang="en-US" sz="5400" b="1" dirty="0"/>
-              <a:t>문제점 및 보완책</a:t>
+              <a:t>개발 내용 </a:t>
+            </a:r>
+            <a:r>
+              <a:rPr lang="en-US" altLang="ko-KR" sz="5400" b="1" dirty="0"/>
+              <a:t>- </a:t>
+            </a:r>
+            <a:r>
+              <a:rPr lang="ko-KR" altLang="en-US" sz="5400" b="1" dirty="0"/>
+              <a:t>조준현</a:t>
             </a:r>
             <a:endParaRPr lang="en-US" altLang="ko-KR" sz="5400" b="1" dirty="0"/>
           </a:p>
@@ -4242,16 +4259,16 @@
               <a:rPr lang="ko-KR" altLang="en-US" smtClean="0"/>
               <a:t>11</a:t>
             </a:fld>
-            <a:endParaRPr lang="ko-KR" altLang="en-US" dirty="0"/>
+            <a:endParaRPr lang="ko-KR" altLang="en-US"/>
           </a:p>
         </p:txBody>
       </p:sp>
       <p:sp>
         <p:nvSpPr>
-          <p:cNvPr id="7" name="모서리가 둥근 직사각형 6">
+          <p:cNvPr id="29" name="모서리가 둥근 직사각형 6">
             <a:extLst>
               <a:ext uri="{FF2B5EF4-FFF2-40B4-BE49-F238E27FC236}">
-                <a16:creationId xmlns:a16="http://schemas.microsoft.com/office/drawing/2014/main" id="{61C484A9-74BD-43CD-8464-BC66D6728A46}"/>
+                <a16:creationId xmlns:a16="http://schemas.microsoft.com/office/drawing/2014/main" id="{800A8874-C34B-46CA-8AD6-DD87324F0FFD}"/>
               </a:ext>
             </a:extLst>
           </p:cNvPr>
@@ -4260,8 +4277,8 @@
         </p:nvSpPr>
         <p:spPr>
           <a:xfrm>
-            <a:off x="1516968" y="1903046"/>
-            <a:ext cx="9261143" cy="4453302"/>
+            <a:off x="745343" y="4530994"/>
+            <a:ext cx="4925615" cy="2179031"/>
           </a:xfrm>
           <a:prstGeom prst="roundRect">
             <a:avLst>
@@ -4297,41 +4314,58 @@
           <a:bodyPr rtlCol="0" anchor="ctr"/>
           <a:lstStyle/>
           <a:p>
-            <a:pPr marL="285750" indent="-285750">
-              <a:buFontTx/>
-              <a:buChar char="-"/>
-            </a:pPr>
             <a:r>
               <a:rPr lang="ko-KR" altLang="en-US" b="1" dirty="0">
                 <a:solidFill>
                   <a:schemeClr val="tx1"/>
                 </a:solidFill>
               </a:rPr>
-              <a:t>게임 시스템 </a:t>
-            </a:r>
-            <a:r>
+              <a:t>마우스로 캐릭터 </a:t>
+            </a:r>
+            <a:r>
+              <a:rPr lang="ko-KR" altLang="en-US" b="1" dirty="0" err="1">
+                <a:solidFill>
+                  <a:schemeClr val="tx1"/>
+                </a:solidFill>
+              </a:rPr>
+              <a:t>포징</a:t>
+            </a:r>
+            <a:endParaRPr lang="en-US" altLang="ko-KR" b="1" dirty="0">
+              <a:solidFill>
+                <a:schemeClr val="tx1"/>
+              </a:solidFill>
+            </a:endParaRPr>
+          </a:p>
+          <a:p>
+            <a:br>
               <a:rPr lang="en-US" altLang="ko-KR" b="1" dirty="0">
                 <a:solidFill>
                   <a:schemeClr val="tx1"/>
                 </a:solidFill>
               </a:rPr>
-              <a:t>(</a:t>
-            </a:r>
+            </a:br>
             <a:r>
               <a:rPr lang="ko-KR" altLang="en-US" b="1" dirty="0">
                 <a:solidFill>
                   <a:schemeClr val="tx1"/>
                 </a:solidFill>
               </a:rPr>
-              <a:t>보스와 캐릭터</a:t>
-            </a:r>
-            <a:r>
+              <a:t>애니메이션 커스터마이징의 일부 기능으로써 마우스와 키보드로 캐릭터의 부위를 이동 및 회전</a:t>
+            </a:r>
+            <a:br>
               <a:rPr lang="en-US" altLang="ko-KR" b="1" dirty="0">
                 <a:solidFill>
                   <a:schemeClr val="tx1"/>
                 </a:solidFill>
               </a:rPr>
-              <a:t>)</a:t>
+            </a:br>
+            <a:r>
+              <a:rPr lang="en-US" altLang="ko-KR" b="1" dirty="0">
+                <a:solidFill>
+                  <a:schemeClr val="tx1"/>
+                </a:solidFill>
+              </a:rPr>
+              <a:t>Undo </a:t>
             </a:r>
             <a:r>
               <a:rPr lang="ko-KR" altLang="en-US" b="1" dirty="0">
@@ -4339,33 +4373,128 @@
                   <a:schemeClr val="tx1"/>
                 </a:solidFill>
               </a:rPr>
-              <a:t>의 작업이 느려 중점 기술 요소 개발이 진행되지 않음</a:t>
-            </a:r>
-            <a:r>
+              <a:t>기능</a:t>
+            </a:r>
+            <a:endParaRPr lang="en-US" altLang="ko-KR" b="1" dirty="0">
+              <a:solidFill>
+                <a:schemeClr val="tx1"/>
+              </a:solidFill>
+            </a:endParaRPr>
+          </a:p>
+        </p:txBody>
+      </p:sp>
+      <p:sp>
+        <p:nvSpPr>
+          <p:cNvPr id="30" name="모서리가 둥근 직사각형 6">
+            <a:extLst>
+              <a:ext uri="{FF2B5EF4-FFF2-40B4-BE49-F238E27FC236}">
+                <a16:creationId xmlns:a16="http://schemas.microsoft.com/office/drawing/2014/main" id="{ECCC0B1C-B0FE-4973-868F-B43283C6508E}"/>
+              </a:ext>
+            </a:extLst>
+          </p:cNvPr>
+          <p:cNvSpPr/>
+          <p:nvPr/>
+        </p:nvSpPr>
+        <p:spPr>
+          <a:xfrm>
+            <a:off x="6342077" y="4530993"/>
+            <a:ext cx="5165318" cy="2179031"/>
+          </a:xfrm>
+          <a:prstGeom prst="roundRect">
+            <a:avLst>
+              <a:gd name="adj" fmla="val 8311"/>
+            </a:avLst>
+          </a:prstGeom>
+          <a:solidFill>
+            <a:schemeClr val="bg1">
+              <a:lumMod val="95000"/>
+            </a:schemeClr>
+          </a:solidFill>
+          <a:ln>
+            <a:noFill/>
+          </a:ln>
+        </p:spPr>
+        <p:style>
+          <a:lnRef idx="2">
+            <a:schemeClr val="accent1">
+              <a:shade val="50000"/>
+            </a:schemeClr>
+          </a:lnRef>
+          <a:fillRef idx="1">
+            <a:schemeClr val="accent1"/>
+          </a:fillRef>
+          <a:effectRef idx="0">
+            <a:schemeClr val="accent1"/>
+          </a:effectRef>
+          <a:fontRef idx="minor">
+            <a:schemeClr val="lt1"/>
+          </a:fontRef>
+        </p:style>
+        <p:txBody>
+          <a:bodyPr rtlCol="0" anchor="ctr"/>
+          <a:lstStyle/>
+          <a:p>
+            <a:r>
+              <a:rPr lang="ko-KR" altLang="en-US" b="1" dirty="0">
+                <a:solidFill>
+                  <a:schemeClr val="tx1"/>
+                </a:solidFill>
+              </a:rPr>
+              <a:t>보스 </a:t>
+            </a:r>
+            <a:r>
+              <a:rPr lang="ko-KR" altLang="en-US" b="1" dirty="0" err="1">
+                <a:solidFill>
+                  <a:schemeClr val="tx1"/>
+                </a:solidFill>
+              </a:rPr>
+              <a:t>비헤이비어</a:t>
+            </a:r>
+            <a:r>
+              <a:rPr lang="ko-KR" altLang="en-US" b="1" dirty="0">
+                <a:solidFill>
+                  <a:schemeClr val="tx1"/>
+                </a:solidFill>
+              </a:rPr>
+              <a:t> 트리</a:t>
+            </a:r>
+            <a:endParaRPr lang="en-US" altLang="ko-KR" b="1" dirty="0">
+              <a:solidFill>
+                <a:schemeClr val="tx1"/>
+              </a:solidFill>
+            </a:endParaRPr>
+          </a:p>
+          <a:p>
+            <a:br>
               <a:rPr lang="en-US" altLang="ko-KR" b="1" dirty="0">
                 <a:solidFill>
                   <a:schemeClr val="tx1"/>
                 </a:solidFill>
               </a:rPr>
-              <a:t>.</a:t>
-            </a:r>
-          </a:p>
-          <a:p>
-            <a:r>
-              <a:rPr lang="en-US" altLang="ko-KR" b="1" dirty="0">
-                <a:solidFill>
-                  <a:schemeClr val="tx1"/>
-                </a:solidFill>
-              </a:rPr>
-              <a:t>    </a:t>
-            </a:r>
+            </a:br>
             <a:r>
               <a:rPr lang="ko-KR" altLang="en-US" b="1" dirty="0">
                 <a:solidFill>
                   <a:schemeClr val="tx1"/>
                 </a:solidFill>
               </a:rPr>
-              <a:t>→ 게임 시스템을 마무리 하고 하루 빨리 중점 기술 요소 개발을 진행</a:t>
+              <a:t>암석기둥 사이로 보스가 날아다니며 </a:t>
+            </a:r>
+            <a:r>
+              <a:rPr lang="ko-KR" altLang="en-US" b="1" dirty="0" err="1">
+                <a:solidFill>
+                  <a:schemeClr val="tx1"/>
+                </a:solidFill>
+              </a:rPr>
+              <a:t>플레이어블</a:t>
+            </a:r>
+            <a:r>
+              <a:rPr lang="ko-KR" altLang="en-US" b="1" dirty="0">
+                <a:solidFill>
+                  <a:schemeClr val="tx1"/>
+                </a:solidFill>
+              </a:rPr>
+              <a:t> 캐릭터를 추적</a:t>
             </a:r>
             <a:endParaRPr lang="en-US" altLang="ko-KR" b="1" dirty="0">
               <a:solidFill>
@@ -4373,26 +4502,84 @@
               </a:solidFill>
             </a:endParaRPr>
           </a:p>
-          <a:p>
-            <a:endParaRPr lang="en-US" altLang="ko-KR" b="1" dirty="0">
-              <a:solidFill>
-                <a:schemeClr val="tx1"/>
-              </a:solidFill>
-            </a:endParaRPr>
-          </a:p>
-          <a:p>
-            <a:endParaRPr lang="ko-KR" altLang="en-US" b="1" dirty="0">
-              <a:solidFill>
-                <a:schemeClr val="tx1"/>
-              </a:solidFill>
-            </a:endParaRPr>
-          </a:p>
         </p:txBody>
       </p:sp>
+      <p:pic>
+        <p:nvPicPr>
+          <p:cNvPr id="5" name="그림 4" descr="하늘, 실외, 녹색, 일이(가) 표시된 사진&#10;&#10;자동 생성된 설명">
+            <a:extLst>
+              <a:ext uri="{FF2B5EF4-FFF2-40B4-BE49-F238E27FC236}">
+                <a16:creationId xmlns:a16="http://schemas.microsoft.com/office/drawing/2014/main" id="{07AF789F-A04C-4834-B607-BDADF210709C}"/>
+              </a:ext>
+            </a:extLst>
+          </p:cNvPr>
+          <p:cNvPicPr>
+            <a:picLocks noChangeAspect="1"/>
+          </p:cNvPicPr>
+          <p:nvPr/>
+        </p:nvPicPr>
+        <p:blipFill>
+          <a:blip r:embed="rId2">
+            <a:extLst>
+              <a:ext uri="{28A0092B-C50C-407E-A947-70E740481C1C}">
+                <a14:useLocalDpi xmlns:a14="http://schemas.microsoft.com/office/drawing/2010/main" val="0"/>
+              </a:ext>
+            </a:extLst>
+          </a:blip>
+          <a:stretch>
+            <a:fillRect/>
+          </a:stretch>
+        </p:blipFill>
+        <p:spPr>
+          <a:xfrm>
+            <a:off x="1350770" y="1627371"/>
+            <a:ext cx="2745316" cy="2754717"/>
+          </a:xfrm>
+          <a:prstGeom prst="rect">
+            <a:avLst/>
+          </a:prstGeom>
+        </p:spPr>
+      </p:pic>
+      <p:pic>
+        <p:nvPicPr>
+          <p:cNvPr id="7" name="그림 6">
+            <a:extLst>
+              <a:ext uri="{FF2B5EF4-FFF2-40B4-BE49-F238E27FC236}">
+                <a16:creationId xmlns:a16="http://schemas.microsoft.com/office/drawing/2014/main" id="{63832BD6-5937-4E9C-995F-CCD69523F4B9}"/>
+              </a:ext>
+            </a:extLst>
+          </p:cNvPr>
+          <p:cNvPicPr>
+            <a:picLocks noChangeAspect="1"/>
+          </p:cNvPicPr>
+          <p:nvPr/>
+        </p:nvPicPr>
+        <p:blipFill>
+          <a:blip r:embed="rId3">
+            <a:extLst>
+              <a:ext uri="{28A0092B-C50C-407E-A947-70E740481C1C}">
+                <a14:useLocalDpi xmlns:a14="http://schemas.microsoft.com/office/drawing/2010/main" val="0"/>
+              </a:ext>
+            </a:extLst>
+          </a:blip>
+          <a:stretch>
+            <a:fillRect/>
+          </a:stretch>
+        </p:blipFill>
+        <p:spPr>
+          <a:xfrm>
+            <a:off x="5179830" y="1915216"/>
+            <a:ext cx="6327565" cy="2179029"/>
+          </a:xfrm>
+          <a:prstGeom prst="rect">
+            <a:avLst/>
+          </a:prstGeom>
+        </p:spPr>
+      </p:pic>
     </p:spTree>
     <p:extLst>
       <p:ext uri="{BB962C8B-B14F-4D97-AF65-F5344CB8AC3E}">
-        <p14:creationId xmlns:p14="http://schemas.microsoft.com/office/powerpoint/2010/main" val="2857001929"/>
+        <p14:creationId xmlns:p14="http://schemas.microsoft.com/office/powerpoint/2010/main" val="3416272381"/>
       </p:ext>
     </p:extLst>
   </p:cSld>
@@ -4428,7 +4615,7 @@
         <p:spPr>
           <a:xfrm>
             <a:off x="539191" y="281738"/>
-            <a:ext cx="5652509" cy="1053558"/>
+            <a:ext cx="6345007" cy="1053558"/>
           </a:xfrm>
           <a:prstGeom prst="rect">
             <a:avLst/>
@@ -4447,11 +4634,11 @@
             </a:pPr>
             <a:r>
               <a:rPr lang="en-US" altLang="ko-KR" sz="5400" b="1" dirty="0"/>
-              <a:t>8. </a:t>
+              <a:t>7. </a:t>
             </a:r>
             <a:r>
               <a:rPr lang="ko-KR" altLang="en-US" sz="5400" b="1" dirty="0"/>
-              <a:t>향후 개발 일정</a:t>
+              <a:t>문제점 및 보완책</a:t>
             </a:r>
             <a:endParaRPr lang="en-US" altLang="ko-KR" sz="5400" b="1" dirty="0"/>
           </a:p>
@@ -4517,7 +4704,7 @@
               <a:rPr lang="ko-KR" altLang="en-US" smtClean="0"/>
               <a:t>12</a:t>
             </a:fld>
-            <a:endParaRPr lang="ko-KR" altLang="en-US"/>
+            <a:endParaRPr lang="ko-KR" altLang="en-US" dirty="0"/>
           </a:p>
         </p:txBody>
       </p:sp>
@@ -4526,7 +4713,7 @@
           <p:cNvPr id="7" name="모서리가 둥근 직사각형 6">
             <a:extLst>
               <a:ext uri="{FF2B5EF4-FFF2-40B4-BE49-F238E27FC236}">
-                <a16:creationId xmlns:a16="http://schemas.microsoft.com/office/drawing/2014/main" id="{92115395-7239-4FF6-9F8A-57EECFEA1471}"/>
+                <a16:creationId xmlns:a16="http://schemas.microsoft.com/office/drawing/2014/main" id="{61C484A9-74BD-43CD-8464-BC66D6728A46}"/>
               </a:ext>
             </a:extLst>
           </p:cNvPr>
@@ -4577,6 +4764,281 @@
               <a:buChar char="-"/>
             </a:pPr>
             <a:r>
+              <a:rPr lang="ko-KR" altLang="en-US" b="1" dirty="0">
+                <a:solidFill>
+                  <a:schemeClr val="tx1"/>
+                </a:solidFill>
+              </a:rPr>
+              <a:t>게임 시스템 </a:t>
+            </a:r>
+            <a:r>
+              <a:rPr lang="en-US" altLang="ko-KR" b="1" dirty="0">
+                <a:solidFill>
+                  <a:schemeClr val="tx1"/>
+                </a:solidFill>
+              </a:rPr>
+              <a:t>(</a:t>
+            </a:r>
+            <a:r>
+              <a:rPr lang="ko-KR" altLang="en-US" b="1" dirty="0">
+                <a:solidFill>
+                  <a:schemeClr val="tx1"/>
+                </a:solidFill>
+              </a:rPr>
+              <a:t>보스와 캐릭터</a:t>
+            </a:r>
+            <a:r>
+              <a:rPr lang="en-US" altLang="ko-KR" b="1" dirty="0">
+                <a:solidFill>
+                  <a:schemeClr val="tx1"/>
+                </a:solidFill>
+              </a:rPr>
+              <a:t>)</a:t>
+            </a:r>
+            <a:r>
+              <a:rPr lang="ko-KR" altLang="en-US" b="1" dirty="0">
+                <a:solidFill>
+                  <a:schemeClr val="tx1"/>
+                </a:solidFill>
+              </a:rPr>
+              <a:t>의 작업이 느려 중점 기술 요소 개발이 진행되지 않음</a:t>
+            </a:r>
+            <a:r>
+              <a:rPr lang="en-US" altLang="ko-KR" b="1" dirty="0">
+                <a:solidFill>
+                  <a:schemeClr val="tx1"/>
+                </a:solidFill>
+              </a:rPr>
+              <a:t>.</a:t>
+            </a:r>
+          </a:p>
+          <a:p>
+            <a:r>
+              <a:rPr lang="en-US" altLang="ko-KR" b="1" dirty="0">
+                <a:solidFill>
+                  <a:schemeClr val="tx1"/>
+                </a:solidFill>
+              </a:rPr>
+              <a:t>    </a:t>
+            </a:r>
+            <a:r>
+              <a:rPr lang="ko-KR" altLang="en-US" b="1" dirty="0">
+                <a:solidFill>
+                  <a:schemeClr val="tx1"/>
+                </a:solidFill>
+              </a:rPr>
+              <a:t>→ 게임 시스템을 마무리 하고 하루 빨리 중점 기술 요소 개발을 진행</a:t>
+            </a:r>
+            <a:endParaRPr lang="en-US" altLang="ko-KR" b="1" dirty="0">
+              <a:solidFill>
+                <a:schemeClr val="tx1"/>
+              </a:solidFill>
+            </a:endParaRPr>
+          </a:p>
+          <a:p>
+            <a:endParaRPr lang="en-US" altLang="ko-KR" b="1" dirty="0">
+              <a:solidFill>
+                <a:schemeClr val="tx1"/>
+              </a:solidFill>
+            </a:endParaRPr>
+          </a:p>
+          <a:p>
+            <a:endParaRPr lang="ko-KR" altLang="en-US" b="1" dirty="0">
+              <a:solidFill>
+                <a:schemeClr val="tx1"/>
+              </a:solidFill>
+            </a:endParaRPr>
+          </a:p>
+        </p:txBody>
+      </p:sp>
+    </p:spTree>
+    <p:extLst>
+      <p:ext uri="{BB962C8B-B14F-4D97-AF65-F5344CB8AC3E}">
+        <p14:creationId xmlns:p14="http://schemas.microsoft.com/office/powerpoint/2010/main" val="2857001929"/>
+      </p:ext>
+    </p:extLst>
+  </p:cSld>
+  <p:clrMapOvr>
+    <a:masterClrMapping/>
+  </p:clrMapOvr>
+</p:sld>
+</file>
+
+<file path=ppt/slides/slide13.xml><?xml version="1.0" encoding="utf-8"?>
+<p:sld xmlns:a="http://schemas.openxmlformats.org/drawingml/2006/main" xmlns:r="http://schemas.openxmlformats.org/officeDocument/2006/relationships" xmlns:p="http://schemas.openxmlformats.org/presentationml/2006/main">
+  <p:cSld>
+    <p:spTree>
+      <p:nvGrpSpPr>
+        <p:cNvPr id="1" name=""/>
+        <p:cNvGrpSpPr/>
+        <p:nvPr/>
+      </p:nvGrpSpPr>
+      <p:grpSpPr>
+        <a:xfrm>
+          <a:off x="0" y="0"/>
+          <a:ext cx="0" cy="0"/>
+          <a:chOff x="0" y="0"/>
+          <a:chExt cx="0" cy="0"/>
+        </a:xfrm>
+      </p:grpSpPr>
+      <p:sp>
+        <p:nvSpPr>
+          <p:cNvPr id="3" name="직사각형 2"/>
+          <p:cNvSpPr/>
+          <p:nvPr/>
+        </p:nvSpPr>
+        <p:spPr>
+          <a:xfrm>
+            <a:off x="539191" y="281738"/>
+            <a:ext cx="5652509" cy="1053558"/>
+          </a:xfrm>
+          <a:prstGeom prst="rect">
+            <a:avLst/>
+          </a:prstGeom>
+        </p:spPr>
+        <p:txBody>
+          <a:bodyPr wrap="none">
+            <a:spAutoFit/>
+          </a:bodyPr>
+          <a:lstStyle/>
+          <a:p>
+            <a:pPr>
+              <a:lnSpc>
+                <a:spcPct val="130000"/>
+              </a:lnSpc>
+            </a:pPr>
+            <a:r>
+              <a:rPr lang="en-US" altLang="ko-KR" sz="5400" b="1" dirty="0"/>
+              <a:t>8. </a:t>
+            </a:r>
+            <a:r>
+              <a:rPr lang="ko-KR" altLang="en-US" sz="5400" b="1" dirty="0"/>
+              <a:t>향후 개발 일정</a:t>
+            </a:r>
+            <a:endParaRPr lang="en-US" altLang="ko-KR" sz="5400" b="1" dirty="0"/>
+          </a:p>
+        </p:txBody>
+      </p:sp>
+      <p:cxnSp>
+        <p:nvCxnSpPr>
+          <p:cNvPr id="12" name="직선 연결선 11"/>
+          <p:cNvCxnSpPr/>
+          <p:nvPr/>
+        </p:nvCxnSpPr>
+        <p:spPr>
+          <a:xfrm>
+            <a:off x="675299" y="1478467"/>
+            <a:ext cx="10944483" cy="0"/>
+          </a:xfrm>
+          <a:prstGeom prst="line">
+            <a:avLst/>
+          </a:prstGeom>
+          <a:ln w="50800">
+            <a:solidFill>
+              <a:schemeClr val="tx1"/>
+            </a:solidFill>
+          </a:ln>
+        </p:spPr>
+        <p:style>
+          <a:lnRef idx="1">
+            <a:schemeClr val="accent1"/>
+          </a:lnRef>
+          <a:fillRef idx="0">
+            <a:schemeClr val="accent1"/>
+          </a:fillRef>
+          <a:effectRef idx="0">
+            <a:schemeClr val="accent1"/>
+          </a:effectRef>
+          <a:fontRef idx="minor">
+            <a:schemeClr val="tx1"/>
+          </a:fontRef>
+        </p:style>
+      </p:cxnSp>
+      <p:sp>
+        <p:nvSpPr>
+          <p:cNvPr id="2" name="슬라이드 번호 개체 틀 1">
+            <a:extLst>
+              <a:ext uri="{FF2B5EF4-FFF2-40B4-BE49-F238E27FC236}">
+                <a16:creationId xmlns:a16="http://schemas.microsoft.com/office/drawing/2014/main" id="{32FC5E48-C56B-4414-B934-B4E7CFCA958D}"/>
+              </a:ext>
+            </a:extLst>
+          </p:cNvPr>
+          <p:cNvSpPr>
+            <a:spLocks noGrp="1"/>
+          </p:cNvSpPr>
+          <p:nvPr>
+            <p:ph type="sldNum" sz="quarter" idx="12"/>
+          </p:nvPr>
+        </p:nvSpPr>
+        <p:spPr/>
+        <p:txBody>
+          <a:bodyPr/>
+          <a:lstStyle/>
+          <a:p>
+            <a:fld id="{C84A60E4-54F4-4111-9810-5935229E1A66}" type="slidenum">
+              <a:rPr lang="ko-KR" altLang="en-US" smtClean="0"/>
+              <a:t>13</a:t>
+            </a:fld>
+            <a:endParaRPr lang="ko-KR" altLang="en-US"/>
+          </a:p>
+        </p:txBody>
+      </p:sp>
+      <p:sp>
+        <p:nvSpPr>
+          <p:cNvPr id="7" name="모서리가 둥근 직사각형 6">
+            <a:extLst>
+              <a:ext uri="{FF2B5EF4-FFF2-40B4-BE49-F238E27FC236}">
+                <a16:creationId xmlns:a16="http://schemas.microsoft.com/office/drawing/2014/main" id="{92115395-7239-4FF6-9F8A-57EECFEA1471}"/>
+              </a:ext>
+            </a:extLst>
+          </p:cNvPr>
+          <p:cNvSpPr/>
+          <p:nvPr/>
+        </p:nvSpPr>
+        <p:spPr>
+          <a:xfrm>
+            <a:off x="845850" y="2231472"/>
+            <a:ext cx="3138922" cy="3495702"/>
+          </a:xfrm>
+          <a:prstGeom prst="roundRect">
+            <a:avLst>
+              <a:gd name="adj" fmla="val 8311"/>
+            </a:avLst>
+          </a:prstGeom>
+          <a:solidFill>
+            <a:schemeClr val="bg1">
+              <a:lumMod val="95000"/>
+            </a:schemeClr>
+          </a:solidFill>
+          <a:ln>
+            <a:noFill/>
+          </a:ln>
+        </p:spPr>
+        <p:style>
+          <a:lnRef idx="2">
+            <a:schemeClr val="accent1">
+              <a:shade val="50000"/>
+            </a:schemeClr>
+          </a:lnRef>
+          <a:fillRef idx="1">
+            <a:schemeClr val="accent1"/>
+          </a:fillRef>
+          <a:effectRef idx="0">
+            <a:schemeClr val="accent1"/>
+          </a:effectRef>
+          <a:fontRef idx="minor">
+            <a:schemeClr val="lt1"/>
+          </a:fontRef>
+        </p:style>
+        <p:txBody>
+          <a:bodyPr rtlCol="0" anchor="ctr"/>
+          <a:lstStyle/>
+          <a:p>
+            <a:pPr marL="285750" indent="-285750">
+              <a:buFontTx/>
+              <a:buChar char="-"/>
+            </a:pPr>
+            <a:r>
               <a:rPr lang="en-US" altLang="ko-KR" b="1" dirty="0">
                 <a:solidFill>
                   <a:schemeClr val="tx1"/>
@@ -4649,6 +5111,167 @@
               <a:buFontTx/>
               <a:buChar char="-"/>
             </a:pPr>
+            <a:endParaRPr lang="en-US" altLang="ko-KR" b="1" dirty="0">
+              <a:solidFill>
+                <a:schemeClr val="tx1"/>
+              </a:solidFill>
+            </a:endParaRPr>
+          </a:p>
+        </p:txBody>
+      </p:sp>
+      <p:sp>
+        <p:nvSpPr>
+          <p:cNvPr id="6" name="모서리가 둥근 직사각형 6">
+            <a:extLst>
+              <a:ext uri="{FF2B5EF4-FFF2-40B4-BE49-F238E27FC236}">
+                <a16:creationId xmlns:a16="http://schemas.microsoft.com/office/drawing/2014/main" id="{3B5FD79D-2CBE-4BCB-86B4-0F85EF9C978B}"/>
+              </a:ext>
+            </a:extLst>
+          </p:cNvPr>
+          <p:cNvSpPr/>
+          <p:nvPr/>
+        </p:nvSpPr>
+        <p:spPr>
+          <a:xfrm>
+            <a:off x="4526539" y="2231472"/>
+            <a:ext cx="3138922" cy="3495702"/>
+          </a:xfrm>
+          <a:prstGeom prst="roundRect">
+            <a:avLst>
+              <a:gd name="adj" fmla="val 8311"/>
+            </a:avLst>
+          </a:prstGeom>
+          <a:solidFill>
+            <a:schemeClr val="bg1">
+              <a:lumMod val="95000"/>
+            </a:schemeClr>
+          </a:solidFill>
+          <a:ln>
+            <a:noFill/>
+          </a:ln>
+        </p:spPr>
+        <p:style>
+          <a:lnRef idx="2">
+            <a:schemeClr val="accent1">
+              <a:shade val="50000"/>
+            </a:schemeClr>
+          </a:lnRef>
+          <a:fillRef idx="1">
+            <a:schemeClr val="accent1"/>
+          </a:fillRef>
+          <a:effectRef idx="0">
+            <a:schemeClr val="accent1"/>
+          </a:effectRef>
+          <a:fontRef idx="minor">
+            <a:schemeClr val="lt1"/>
+          </a:fontRef>
+        </p:style>
+        <p:txBody>
+          <a:bodyPr rtlCol="0" anchor="ctr"/>
+          <a:lstStyle/>
+          <a:p>
+            <a:pPr marL="285750" indent="-285750">
+              <a:buFontTx/>
+              <a:buChar char="-"/>
+            </a:pPr>
+            <a:r>
+              <a:rPr lang="ko-KR" altLang="en-US" b="1" dirty="0">
+                <a:solidFill>
+                  <a:schemeClr val="tx1"/>
+                </a:solidFill>
+              </a:rPr>
+              <a:t>애니메이션 커스터마이징 마저 구현</a:t>
+            </a:r>
+            <a:endParaRPr lang="en-US" altLang="ko-KR" b="1" dirty="0">
+              <a:solidFill>
+                <a:schemeClr val="tx1"/>
+              </a:solidFill>
+            </a:endParaRPr>
+          </a:p>
+          <a:p>
+            <a:pPr marL="285750" indent="-285750">
+              <a:buFontTx/>
+              <a:buChar char="-"/>
+            </a:pPr>
+            <a:r>
+              <a:rPr lang="ko-KR" altLang="en-US" b="1" dirty="0">
+                <a:solidFill>
+                  <a:schemeClr val="tx1"/>
+                </a:solidFill>
+              </a:rPr>
+              <a:t>리스 서버 연동</a:t>
+            </a:r>
+            <a:endParaRPr lang="en-US" altLang="ko-KR" b="1" dirty="0">
+              <a:solidFill>
+                <a:schemeClr val="tx1"/>
+              </a:solidFill>
+            </a:endParaRPr>
+          </a:p>
+        </p:txBody>
+      </p:sp>
+      <p:sp>
+        <p:nvSpPr>
+          <p:cNvPr id="8" name="모서리가 둥근 직사각형 6">
+            <a:extLst>
+              <a:ext uri="{FF2B5EF4-FFF2-40B4-BE49-F238E27FC236}">
+                <a16:creationId xmlns:a16="http://schemas.microsoft.com/office/drawing/2014/main" id="{AA6E131B-29B3-42EC-87F6-B1902813C95C}"/>
+              </a:ext>
+            </a:extLst>
+          </p:cNvPr>
+          <p:cNvSpPr/>
+          <p:nvPr/>
+        </p:nvSpPr>
+        <p:spPr>
+          <a:xfrm>
+            <a:off x="8328150" y="2231472"/>
+            <a:ext cx="3138922" cy="3495702"/>
+          </a:xfrm>
+          <a:prstGeom prst="roundRect">
+            <a:avLst>
+              <a:gd name="adj" fmla="val 8311"/>
+            </a:avLst>
+          </a:prstGeom>
+          <a:solidFill>
+            <a:schemeClr val="bg1">
+              <a:lumMod val="95000"/>
+            </a:schemeClr>
+          </a:solidFill>
+          <a:ln>
+            <a:noFill/>
+          </a:ln>
+        </p:spPr>
+        <p:style>
+          <a:lnRef idx="2">
+            <a:schemeClr val="accent1">
+              <a:shade val="50000"/>
+            </a:schemeClr>
+          </a:lnRef>
+          <a:fillRef idx="1">
+            <a:schemeClr val="accent1"/>
+          </a:fillRef>
+          <a:effectRef idx="0">
+            <a:schemeClr val="accent1"/>
+          </a:effectRef>
+          <a:fontRef idx="minor">
+            <a:schemeClr val="lt1"/>
+          </a:fontRef>
+        </p:style>
+        <p:txBody>
+          <a:bodyPr rtlCol="0" anchor="ctr"/>
+          <a:lstStyle/>
+          <a:p>
+            <a:pPr marL="285750" indent="-285750">
+              <a:buFontTx/>
+              <a:buChar char="-"/>
+            </a:pPr>
+            <a:r>
+              <a:rPr lang="ko-KR" altLang="en-US" b="1" dirty="0">
+                <a:solidFill>
+                  <a:schemeClr val="tx1"/>
+                </a:solidFill>
+              </a:rPr>
+              <a:t>혜빈님 작업</a:t>
+            </a:r>
             <a:endParaRPr lang="en-US" altLang="ko-KR" b="1" dirty="0">
               <a:solidFill>
                 <a:schemeClr val="tx1"/>
@@ -4670,7 +5293,7 @@
 </p:sld>
 </file>
 
-<file path=ppt/slides/slide13.xml><?xml version="1.0" encoding="utf-8"?>
+<file path=ppt/slides/slide14.xml><?xml version="1.0" encoding="utf-8"?>
 <p:sld xmlns:a="http://schemas.openxmlformats.org/drawingml/2006/main" xmlns:r="http://schemas.openxmlformats.org/officeDocument/2006/relationships" xmlns:p="http://schemas.openxmlformats.org/presentationml/2006/main">
   <p:cSld>
     <p:spTree>
@@ -4954,7 +5577,7 @@
           <a:p>
             <a:fld id="{C84A60E4-54F4-4111-9810-5935229E1A66}" type="slidenum">
               <a:rPr lang="ko-KR" altLang="en-US" smtClean="0"/>
-              <a:t>13</a:t>
+              <a:t>14</a:t>
             </a:fld>
             <a:endParaRPr lang="ko-KR" altLang="en-US"/>
           </a:p>
@@ -6587,7 +7210,7 @@
         <p:spPr>
           <a:xfrm>
             <a:off x="943464" y="3676656"/>
-            <a:ext cx="3389616" cy="2031325"/>
+            <a:ext cx="3389616" cy="1477328"/>
           </a:xfrm>
           <a:prstGeom prst="rect">
             <a:avLst/>
@@ -6599,16 +7222,6 @@
             <a:spAutoFit/>
           </a:bodyPr>
           <a:lstStyle/>
-          <a:p>
-            <a:r>
-              <a:rPr lang="ko-KR" altLang="en-US" b="1" dirty="0"/>
-              <a:t>플레이어는 용의 심장을 얻기 위해 용을 무찔러야 합니다</a:t>
-            </a:r>
-            <a:r>
-              <a:rPr lang="en-US" altLang="ko-KR" b="1" dirty="0"/>
-              <a:t>.</a:t>
-            </a:r>
-          </a:p>
           <a:p>
             <a:endParaRPr lang="en-US" altLang="ko-KR" b="1" dirty="0"/>
           </a:p>
@@ -14166,14 +14779,14 @@
           <p:nvPr>
             <p:extLst>
               <p:ext uri="{D42A27DB-BD31-4B8C-83A1-F6EECF244321}">
-                <p14:modId xmlns:p14="http://schemas.microsoft.com/office/powerpoint/2010/main" val="2264596707"/>
+                <p14:modId xmlns:p14="http://schemas.microsoft.com/office/powerpoint/2010/main" val="3748374430"/>
               </p:ext>
             </p:extLst>
           </p:nvPr>
         </p:nvGraphicFramePr>
         <p:xfrm>
           <a:off x="1883086" y="2364187"/>
-          <a:ext cx="8661375" cy="4452054"/>
+          <a:ext cx="8661375" cy="4454151"/>
         </p:xfrm>
         <a:graphic>
           <a:graphicData uri="http://schemas.openxmlformats.org/drawingml/2006/table">
@@ -14953,10 +15566,7 @@
                       <a:tailEnd type="none" w="med" len="med"/>
                     </a:lnB>
                     <a:solidFill>
-                      <a:schemeClr val="accent2">
-                        <a:lumMod val="60000"/>
-                        <a:lumOff val="40000"/>
-                      </a:schemeClr>
+                      <a:schemeClr val="bg1"/>
                     </a:solidFill>
                   </a:tcPr>
                 </a:tc>
@@ -15007,10 +15617,7 @@
                       <a:tailEnd type="none" w="med" len="med"/>
                     </a:lnB>
                     <a:solidFill>
-                      <a:schemeClr val="accent2">
-                        <a:lumMod val="60000"/>
-                        <a:lumOff val="40000"/>
-                      </a:schemeClr>
+                      <a:schemeClr val="bg1"/>
                     </a:solidFill>
                   </a:tcPr>
                 </a:tc>
@@ -15061,10 +15668,7 @@
                       <a:tailEnd type="none" w="med" len="med"/>
                     </a:lnB>
                     <a:solidFill>
-                      <a:schemeClr val="accent2">
-                        <a:lumMod val="60000"/>
-                        <a:lumOff val="40000"/>
-                      </a:schemeClr>
+                      <a:schemeClr val="bg1"/>
                     </a:solidFill>
                   </a:tcPr>
                 </a:tc>
@@ -15075,6 +15679,61 @@
                     <a:p>
                       <a:pPr latinLnBrk="1"/>
                       <a:endParaRPr lang="ko-KR" altLang="en-US" sz="900" dirty="0"/>
+                    </a:p>
+                  </a:txBody>
+                  <a:tcPr marL="85511" marR="85511" marT="42756" marB="42756">
+                    <a:lnL w="12700" cap="flat" cmpd="sng" algn="ctr">
+                      <a:solidFill>
+                        <a:schemeClr val="tx1"/>
+                      </a:solidFill>
+                      <a:prstDash val="solid"/>
+                      <a:round/>
+                      <a:headEnd type="none" w="med" len="med"/>
+                      <a:tailEnd type="none" w="med" len="med"/>
+                    </a:lnL>
+                    <a:lnR w="12700" cap="flat" cmpd="sng" algn="ctr">
+                      <a:solidFill>
+                        <a:schemeClr val="tx1"/>
+                      </a:solidFill>
+                      <a:prstDash val="solid"/>
+                      <a:round/>
+                      <a:headEnd type="none" w="med" len="med"/>
+                      <a:tailEnd type="none" w="med" len="med"/>
+                    </a:lnR>
+                    <a:lnT w="12700" cap="flat" cmpd="sng" algn="ctr">
+                      <a:solidFill>
+                        <a:schemeClr val="tx1"/>
+                      </a:solidFill>
+                      <a:prstDash val="solid"/>
+                      <a:round/>
+                      <a:headEnd type="none" w="med" len="med"/>
+                      <a:tailEnd type="none" w="med" len="med"/>
+                    </a:lnT>
+                    <a:lnB w="12700" cap="flat" cmpd="sng" algn="ctr">
+                      <a:solidFill>
+                        <a:schemeClr val="tx1"/>
+                      </a:solidFill>
+                      <a:prstDash val="solid"/>
+                      <a:round/>
+                      <a:headEnd type="none" w="med" len="med"/>
+                      <a:tailEnd type="none" w="med" len="med"/>
+                    </a:lnB>
+                    <a:solidFill>
+                      <a:schemeClr val="bg1"/>
+                    </a:solidFill>
+                  </a:tcPr>
+                </a:tc>
+                <a:tc>
+                  <a:txBody>
+                    <a:bodyPr/>
+                    <a:lstStyle/>
+                    <a:p>
+                      <a:pPr latinLnBrk="1"/>
+                      <a:endParaRPr lang="ko-KR" altLang="en-US" sz="900" dirty="0">
+                        <a:solidFill>
+                          <a:srgbClr val="F4B183"/>
+                        </a:solidFill>
+                      </a:endParaRPr>
                     </a:p>
                   </a:txBody>
                   <a:tcPr marL="85511" marR="85511" marT="42756" marB="42756">
@@ -15166,58 +15825,7 @@
                       <a:tailEnd type="none" w="med" len="med"/>
                     </a:lnB>
                     <a:solidFill>
-                      <a:schemeClr val="bg1"/>
-                    </a:solidFill>
-                  </a:tcPr>
-                </a:tc>
-                <a:tc>
-                  <a:txBody>
-                    <a:bodyPr/>
-                    <a:lstStyle/>
-                    <a:p>
-                      <a:pPr latinLnBrk="1"/>
-                      <a:endParaRPr lang="ko-KR" altLang="en-US" sz="900" dirty="0"/>
-                    </a:p>
-                  </a:txBody>
-                  <a:tcPr marL="85511" marR="85511" marT="42756" marB="42756">
-                    <a:lnL w="12700" cap="flat" cmpd="sng" algn="ctr">
-                      <a:solidFill>
-                        <a:schemeClr val="tx1"/>
-                      </a:solidFill>
-                      <a:prstDash val="solid"/>
-                      <a:round/>
-                      <a:headEnd type="none" w="med" len="med"/>
-                      <a:tailEnd type="none" w="med" len="med"/>
-                    </a:lnL>
-                    <a:lnR w="12700" cap="flat" cmpd="sng" algn="ctr">
-                      <a:solidFill>
-                        <a:schemeClr val="tx1"/>
-                      </a:solidFill>
-                      <a:prstDash val="solid"/>
-                      <a:round/>
-                      <a:headEnd type="none" w="med" len="med"/>
-                      <a:tailEnd type="none" w="med" len="med"/>
-                    </a:lnR>
-                    <a:lnT w="12700" cap="flat" cmpd="sng" algn="ctr">
-                      <a:solidFill>
-                        <a:schemeClr val="tx1"/>
-                      </a:solidFill>
-                      <a:prstDash val="solid"/>
-                      <a:round/>
-                      <a:headEnd type="none" w="med" len="med"/>
-                      <a:tailEnd type="none" w="med" len="med"/>
-                    </a:lnT>
-                    <a:lnB w="12700" cap="flat" cmpd="sng" algn="ctr">
-                      <a:solidFill>
-                        <a:schemeClr val="tx1"/>
-                      </a:solidFill>
-                      <a:prstDash val="solid"/>
-                      <a:round/>
-                      <a:headEnd type="none" w="med" len="med"/>
-                      <a:tailEnd type="none" w="med" len="med"/>
-                    </a:lnB>
-                    <a:solidFill>
-                      <a:schemeClr val="bg1"/>
+                      <a:srgbClr val="F4B183"/>
                     </a:solidFill>
                   </a:tcPr>
                 </a:tc>
@@ -15688,7 +16296,7 @@
                       <a:tailEnd type="none" w="med" len="med"/>
                     </a:lnB>
                     <a:solidFill>
-                      <a:schemeClr val="bg1"/>
+                      <a:srgbClr val="F4B183"/>
                     </a:solidFill>
                   </a:tcPr>
                 </a:tc>
@@ -15755,15 +16363,43 @@
                     <a:bodyPr/>
                     <a:lstStyle/>
                     <a:p>
-                      <a:pPr latinLnBrk="1"/>
+                      <a:pPr marL="0" marR="0" lvl="0" indent="0" algn="l" defTabSz="914400" rtl="0" eaLnBrk="1" fontAlgn="auto" latinLnBrk="1" hangingPunct="1">
+                        <a:lnSpc>
+                          <a:spcPct val="100000"/>
+                        </a:lnSpc>
+                        <a:spcBef>
+                          <a:spcPts val="0"/>
+                        </a:spcBef>
+                        <a:spcAft>
+                          <a:spcPts val="0"/>
+                        </a:spcAft>
+                        <a:buClrTx/>
+                        <a:buSzTx/>
+                        <a:buFontTx/>
+                        <a:buNone/>
+                        <a:tabLst/>
+                        <a:defRPr/>
+                      </a:pPr>
                       <a:r>
                         <a:rPr lang="en-US" altLang="ko-KR" sz="900" dirty="0"/>
                         <a:t>UI</a:t>
                       </a:r>
                       <a:r>
                         <a:rPr lang="ko-KR" altLang="en-US" sz="900" dirty="0"/>
-                        <a:t> 제작</a:t>
+                        <a:t> 제작 보스 몬스터 </a:t>
                       </a:r>
+                      <a:r>
+                        <a:rPr lang="ko-KR" altLang="en-US" sz="900" dirty="0" err="1"/>
+                        <a:t>비헤이비어</a:t>
+                      </a:r>
+                      <a:r>
+                        <a:rPr lang="ko-KR" altLang="en-US" sz="900" dirty="0"/>
+                        <a:t> 트리</a:t>
+                      </a:r>
+                    </a:p>
+                    <a:p>
+                      <a:pPr latinLnBrk="1"/>
+                      <a:endParaRPr lang="ko-KR" altLang="en-US" sz="900" dirty="0"/>
                     </a:p>
                   </a:txBody>
                   <a:tcPr marL="85511" marR="85511" marT="42756" marB="42756">
@@ -16010,7 +16646,58 @@
                       <a:tailEnd type="none" w="med" len="med"/>
                     </a:lnB>
                     <a:solidFill>
-                      <a:schemeClr val="bg1"/>
+                      <a:srgbClr val="F4B183"/>
+                    </a:solidFill>
+                  </a:tcPr>
+                </a:tc>
+                <a:tc>
+                  <a:txBody>
+                    <a:bodyPr/>
+                    <a:lstStyle/>
+                    <a:p>
+                      <a:pPr latinLnBrk="1"/>
+                      <a:endParaRPr lang="ko-KR" altLang="en-US" sz="900" dirty="0"/>
+                    </a:p>
+                  </a:txBody>
+                  <a:tcPr marL="85511" marR="85511" marT="42756" marB="42756">
+                    <a:lnL w="12700" cap="flat" cmpd="sng" algn="ctr">
+                      <a:solidFill>
+                        <a:schemeClr val="tx1"/>
+                      </a:solidFill>
+                      <a:prstDash val="solid"/>
+                      <a:round/>
+                      <a:headEnd type="none" w="med" len="med"/>
+                      <a:tailEnd type="none" w="med" len="med"/>
+                    </a:lnL>
+                    <a:lnR w="12700" cap="flat" cmpd="sng" algn="ctr">
+                      <a:solidFill>
+                        <a:schemeClr val="tx1"/>
+                      </a:solidFill>
+                      <a:prstDash val="solid"/>
+                      <a:round/>
+                      <a:headEnd type="none" w="med" len="med"/>
+                      <a:tailEnd type="none" w="med" len="med"/>
+                    </a:lnR>
+                    <a:lnT w="12700" cap="flat" cmpd="sng" algn="ctr">
+                      <a:solidFill>
+                        <a:schemeClr val="tx1"/>
+                      </a:solidFill>
+                      <a:prstDash val="solid"/>
+                      <a:round/>
+                      <a:headEnd type="none" w="med" len="med"/>
+                      <a:tailEnd type="none" w="med" len="med"/>
+                    </a:lnT>
+                    <a:lnB w="12700" cap="flat" cmpd="sng" algn="ctr">
+                      <a:solidFill>
+                        <a:schemeClr val="tx1"/>
+                      </a:solidFill>
+                      <a:prstDash val="solid"/>
+                      <a:round/>
+                      <a:headEnd type="none" w="med" len="med"/>
+                      <a:tailEnd type="none" w="med" len="med"/>
+                    </a:lnB>
+                    <a:solidFill>
+                      <a:srgbClr val="F4B183"/>
                     </a:solidFill>
                   </a:tcPr>
                 </a:tc>
@@ -16115,60 +16802,6 @@
                       <a:tailEnd type="none" w="med" len="med"/>
                     </a:lnB>
                     <a:solidFill>
-                      <a:schemeClr val="accent2">
-                        <a:lumMod val="60000"/>
-                        <a:lumOff val="40000"/>
-                      </a:schemeClr>
-                    </a:solidFill>
-                  </a:tcPr>
-                </a:tc>
-                <a:tc>
-                  <a:txBody>
-                    <a:bodyPr/>
-                    <a:lstStyle/>
-                    <a:p>
-                      <a:pPr latinLnBrk="1"/>
-                      <a:endParaRPr lang="ko-KR" altLang="en-US" sz="900" dirty="0"/>
-                    </a:p>
-                  </a:txBody>
-                  <a:tcPr marL="85511" marR="85511" marT="42756" marB="42756">
-                    <a:lnL w="12700" cap="flat" cmpd="sng" algn="ctr">
-                      <a:solidFill>
-                        <a:schemeClr val="tx1"/>
-                      </a:solidFill>
-                      <a:prstDash val="solid"/>
-                      <a:round/>
-                      <a:headEnd type="none" w="med" len="med"/>
-                      <a:tailEnd type="none" w="med" len="med"/>
-                    </a:lnL>
-                    <a:lnR w="12700" cap="flat" cmpd="sng" algn="ctr">
-                      <a:solidFill>
-                        <a:schemeClr val="tx1"/>
-                      </a:solidFill>
-                      <a:prstDash val="solid"/>
-                      <a:round/>
-                      <a:headEnd type="none" w="med" len="med"/>
-                      <a:tailEnd type="none" w="med" len="med"/>
-                    </a:lnR>
-                    <a:lnT w="12700" cap="flat" cmpd="sng" algn="ctr">
-                      <a:solidFill>
-                        <a:schemeClr val="tx1"/>
-                      </a:solidFill>
-                      <a:prstDash val="solid"/>
-                      <a:round/>
-                      <a:headEnd type="none" w="med" len="med"/>
-                      <a:tailEnd type="none" w="med" len="med"/>
-                    </a:lnT>
-                    <a:lnB w="12700" cap="flat" cmpd="sng" algn="ctr">
-                      <a:solidFill>
-                        <a:schemeClr val="tx1"/>
-                      </a:solidFill>
-                      <a:prstDash val="solid"/>
-                      <a:round/>
-                      <a:headEnd type="none" w="med" len="med"/>
-                      <a:tailEnd type="none" w="med" len="med"/>
-                    </a:lnB>
-                    <a:solidFill>
                       <a:srgbClr val="F4B183"/>
                     </a:solidFill>
                   </a:tcPr>
@@ -16230,7 +16863,7 @@
                   </a:ext>
                 </a:extLst>
               </a:tr>
-              <a:tr h="548916">
+              <a:tr h="268204">
                 <a:tc>
                   <a:txBody>
                     <a:bodyPr/>
@@ -16238,8 +16871,12 @@
                     <a:p>
                       <a:pPr latinLnBrk="1"/>
                       <a:r>
+                        <a:rPr lang="en-US" altLang="ko-KR" sz="900" dirty="0"/>
+                        <a:t>UI</a:t>
+                      </a:r>
+                      <a:r>
                         <a:rPr lang="ko-KR" altLang="en-US" sz="900" dirty="0"/>
-                        <a:t>보스 몬스터 비헤이비어 트리</a:t>
+                        <a:t> 제작 </a:t>
                       </a:r>
                     </a:p>
                   </a:txBody>
@@ -16293,7 +16930,7 @@
                     <a:lstStyle/>
                     <a:p>
                       <a:pPr latinLnBrk="1"/>
-                      <a:endParaRPr lang="ko-KR" altLang="en-US" sz="900"/>
+                      <a:endParaRPr lang="ko-KR" altLang="en-US" sz="900" dirty="0"/>
                     </a:p>
                   </a:txBody>
                   <a:tcPr marL="85511" marR="85511" marT="42756" marB="42756">
@@ -16486,8 +17123,106 @@
                       <a:headEnd type="none" w="med" len="med"/>
                       <a:tailEnd type="none" w="med" len="med"/>
                     </a:lnB>
+                    <a:noFill/>
+                  </a:tcPr>
+                </a:tc>
+                <a:tc>
+                  <a:txBody>
+                    <a:bodyPr/>
+                    <a:lstStyle/>
+                    <a:p>
+                      <a:pPr latinLnBrk="1"/>
+                      <a:endParaRPr lang="ko-KR" altLang="en-US" sz="900" dirty="0"/>
+                    </a:p>
+                  </a:txBody>
+                  <a:tcPr marL="85511" marR="85511" marT="42756" marB="42756">
+                    <a:lnL w="12700" cap="flat" cmpd="sng" algn="ctr">
+                      <a:solidFill>
+                        <a:schemeClr val="tx1"/>
+                      </a:solidFill>
+                      <a:prstDash val="solid"/>
+                      <a:round/>
+                      <a:headEnd type="none" w="med" len="med"/>
+                      <a:tailEnd type="none" w="med" len="med"/>
+                    </a:lnL>
+                    <a:lnR w="12700" cap="flat" cmpd="sng" algn="ctr">
+                      <a:solidFill>
+                        <a:schemeClr val="tx1"/>
+                      </a:solidFill>
+                      <a:prstDash val="solid"/>
+                      <a:round/>
+                      <a:headEnd type="none" w="med" len="med"/>
+                      <a:tailEnd type="none" w="med" len="med"/>
+                    </a:lnR>
+                    <a:lnT w="12700" cap="flat" cmpd="sng" algn="ctr">
+                      <a:solidFill>
+                        <a:schemeClr val="tx1"/>
+                      </a:solidFill>
+                      <a:prstDash val="solid"/>
+                      <a:round/>
+                      <a:headEnd type="none" w="med" len="med"/>
+                      <a:tailEnd type="none" w="med" len="med"/>
+                    </a:lnT>
+                    <a:lnB w="12700" cap="flat" cmpd="sng" algn="ctr">
+                      <a:solidFill>
+                        <a:schemeClr val="tx1"/>
+                      </a:solidFill>
+                      <a:prstDash val="solid"/>
+                      <a:round/>
+                      <a:headEnd type="none" w="med" len="med"/>
+                      <a:tailEnd type="none" w="med" len="med"/>
+                    </a:lnB>
+                    <a:noFill/>
+                  </a:tcPr>
+                </a:tc>
+                <a:tc>
+                  <a:txBody>
+                    <a:bodyPr/>
+                    <a:lstStyle/>
+                    <a:p>
+                      <a:pPr latinLnBrk="1"/>
+                      <a:endParaRPr lang="ko-KR" altLang="en-US" sz="900" dirty="0"/>
+                    </a:p>
+                  </a:txBody>
+                  <a:tcPr marL="85511" marR="85511" marT="42756" marB="42756">
+                    <a:lnL w="12700" cap="flat" cmpd="sng" algn="ctr">
+                      <a:solidFill>
+                        <a:schemeClr val="tx1"/>
+                      </a:solidFill>
+                      <a:prstDash val="solid"/>
+                      <a:round/>
+                      <a:headEnd type="none" w="med" len="med"/>
+                      <a:tailEnd type="none" w="med" len="med"/>
+                    </a:lnL>
+                    <a:lnR w="12700" cap="flat" cmpd="sng" algn="ctr">
+                      <a:solidFill>
+                        <a:schemeClr val="tx1"/>
+                      </a:solidFill>
+                      <a:prstDash val="solid"/>
+                      <a:round/>
+                      <a:headEnd type="none" w="med" len="med"/>
+                      <a:tailEnd type="none" w="med" len="med"/>
+                    </a:lnR>
+                    <a:lnT w="12700" cap="flat" cmpd="sng" algn="ctr">
+                      <a:solidFill>
+                        <a:schemeClr val="tx1"/>
+                      </a:solidFill>
+                      <a:prstDash val="solid"/>
+                      <a:round/>
+                      <a:headEnd type="none" w="med" len="med"/>
+                      <a:tailEnd type="none" w="med" len="med"/>
+                    </a:lnT>
+                    <a:lnB w="12700" cap="flat" cmpd="sng" algn="ctr">
+                      <a:solidFill>
+                        <a:schemeClr val="tx1"/>
+                      </a:solidFill>
+                      <a:prstDash val="solid"/>
+                      <a:round/>
+                      <a:headEnd type="none" w="med" len="med"/>
+                      <a:tailEnd type="none" w="med" len="med"/>
+                    </a:lnB>
                     <a:solidFill>
-                      <a:schemeClr val="bg1"/>
+                      <a:srgbClr val="BDD7EE"/>
                     </a:solidFill>
                   </a:tcPr>
                 </a:tc>
@@ -16538,109 +17273,7 @@
                       <a:tailEnd type="none" w="med" len="med"/>
                     </a:lnB>
                     <a:solidFill>
-                      <a:schemeClr val="bg1"/>
-                    </a:solidFill>
-                  </a:tcPr>
-                </a:tc>
-                <a:tc>
-                  <a:txBody>
-                    <a:bodyPr/>
-                    <a:lstStyle/>
-                    <a:p>
-                      <a:pPr latinLnBrk="1"/>
-                      <a:endParaRPr lang="ko-KR" altLang="en-US" sz="900" dirty="0"/>
-                    </a:p>
-                  </a:txBody>
-                  <a:tcPr marL="85511" marR="85511" marT="42756" marB="42756">
-                    <a:lnL w="12700" cap="flat" cmpd="sng" algn="ctr">
-                      <a:solidFill>
-                        <a:schemeClr val="tx1"/>
-                      </a:solidFill>
-                      <a:prstDash val="solid"/>
-                      <a:round/>
-                      <a:headEnd type="none" w="med" len="med"/>
-                      <a:tailEnd type="none" w="med" len="med"/>
-                    </a:lnL>
-                    <a:lnR w="12700" cap="flat" cmpd="sng" algn="ctr">
-                      <a:solidFill>
-                        <a:schemeClr val="tx1"/>
-                      </a:solidFill>
-                      <a:prstDash val="solid"/>
-                      <a:round/>
-                      <a:headEnd type="none" w="med" len="med"/>
-                      <a:tailEnd type="none" w="med" len="med"/>
-                    </a:lnR>
-                    <a:lnT w="12700" cap="flat" cmpd="sng" algn="ctr">
-                      <a:solidFill>
-                        <a:schemeClr val="tx1"/>
-                      </a:solidFill>
-                      <a:prstDash val="solid"/>
-                      <a:round/>
-                      <a:headEnd type="none" w="med" len="med"/>
-                      <a:tailEnd type="none" w="med" len="med"/>
-                    </a:lnT>
-                    <a:lnB w="12700" cap="flat" cmpd="sng" algn="ctr">
-                      <a:solidFill>
-                        <a:schemeClr val="tx1"/>
-                      </a:solidFill>
-                      <a:prstDash val="solid"/>
-                      <a:round/>
-                      <a:headEnd type="none" w="med" len="med"/>
-                      <a:tailEnd type="none" w="med" len="med"/>
-                    </a:lnB>
-                    <a:solidFill>
-                      <a:schemeClr val="bg1"/>
-                    </a:solidFill>
-                  </a:tcPr>
-                </a:tc>
-                <a:tc>
-                  <a:txBody>
-                    <a:bodyPr/>
-                    <a:lstStyle/>
-                    <a:p>
-                      <a:pPr latinLnBrk="1"/>
-                      <a:endParaRPr lang="ko-KR" altLang="en-US" sz="900" dirty="0"/>
-                    </a:p>
-                  </a:txBody>
-                  <a:tcPr marL="85511" marR="85511" marT="42756" marB="42756">
-                    <a:lnL w="12700" cap="flat" cmpd="sng" algn="ctr">
-                      <a:solidFill>
-                        <a:schemeClr val="tx1"/>
-                      </a:solidFill>
-                      <a:prstDash val="solid"/>
-                      <a:round/>
-                      <a:headEnd type="none" w="med" len="med"/>
-                      <a:tailEnd type="none" w="med" len="med"/>
-                    </a:lnL>
-                    <a:lnR w="12700" cap="flat" cmpd="sng" algn="ctr">
-                      <a:solidFill>
-                        <a:schemeClr val="tx1"/>
-                      </a:solidFill>
-                      <a:prstDash val="solid"/>
-                      <a:round/>
-                      <a:headEnd type="none" w="med" len="med"/>
-                      <a:tailEnd type="none" w="med" len="med"/>
-                    </a:lnR>
-                    <a:lnT w="12700" cap="flat" cmpd="sng" algn="ctr">
-                      <a:solidFill>
-                        <a:schemeClr val="tx1"/>
-                      </a:solidFill>
-                      <a:prstDash val="solid"/>
-                      <a:round/>
-                      <a:headEnd type="none" w="med" len="med"/>
-                      <a:tailEnd type="none" w="med" len="med"/>
-                    </a:lnT>
-                    <a:lnB w="12700" cap="flat" cmpd="sng" algn="ctr">
-                      <a:solidFill>
-                        <a:schemeClr val="tx1"/>
-                      </a:solidFill>
-                      <a:prstDash val="solid"/>
-                      <a:round/>
-                      <a:headEnd type="none" w="med" len="med"/>
-                      <a:tailEnd type="none" w="med" len="med"/>
-                    </a:lnB>
-                    <a:solidFill>
-                      <a:schemeClr val="bg1"/>
+                      <a:srgbClr val="BDD7EE"/>
                     </a:solidFill>
                   </a:tcPr>
                 </a:tc>
@@ -17652,7 +18285,7 @@
                   </a:ext>
                 </a:extLst>
               </a:tr>
-              <a:tr h="371027">
+              <a:tr h="381825">
                 <a:tc>
                   <a:txBody>
                     <a:bodyPr/>
@@ -18131,7 +18764,7 @@
                   </a:ext>
                 </a:extLst>
               </a:tr>
-              <a:tr h="371027">
+              <a:tr h="379913">
                 <a:tc>
                   <a:txBody>
                     <a:bodyPr/>
@@ -19491,9 +20124,7 @@
                       <a:headEnd type="none" w="med" len="med"/>
                       <a:tailEnd type="none" w="med" len="med"/>
                     </a:lnB>
-                    <a:solidFill>
-                      <a:srgbClr val="A9D18E"/>
-                    </a:solidFill>
+                    <a:noFill/>
                   </a:tcPr>
                 </a:tc>
                 <a:tc>
@@ -20503,7 +21134,7 @@
         <p:spPr>
           <a:xfrm>
             <a:off x="4645777" y="2956935"/>
-            <a:ext cx="3054325" cy="4436151"/>
+            <a:ext cx="3054325" cy="4990149"/>
           </a:xfrm>
           <a:prstGeom prst="rect">
             <a:avLst/>
@@ -20560,6 +21191,19 @@
               <a:t>플러그인 제작</a:t>
             </a:r>
             <a:endParaRPr lang="en-US" altLang="ko-KR" b="1" dirty="0"/>
+          </a:p>
+          <a:p>
+            <a:pPr marL="285750" indent="-285750">
+              <a:lnSpc>
+                <a:spcPct val="200000"/>
+              </a:lnSpc>
+              <a:buFontTx/>
+              <a:buChar char="-"/>
+            </a:pPr>
+            <a:r>
+              <a:rPr lang="en-US" altLang="ko-KR" b="1" dirty="0"/>
+              <a:t>UI</a:t>
+            </a:r>
           </a:p>
           <a:p>
             <a:pPr>
